--- a/teaching/cs513-autocps-fall-2025/slides/Conclusion.pptx
+++ b/teaching/cs513-autocps-fall-2025/slides/Conclusion.pptx
@@ -264,7 +264,7 @@
           <a:p>
             <a:fld id="{A41F1574-79AA-40EB-A4BE-E0EE698613FA}" type="datetimeFigureOut">
               <a:rPr lang="en-US" smtClean="0"/>
-              <a:t>11/20/2023</a:t>
+              <a:t>11/23/2025</a:t>
             </a:fld>
             <a:endParaRPr lang="en-US"/>
           </a:p>
@@ -462,7 +462,7 @@
           <a:p>
             <a:fld id="{A41F1574-79AA-40EB-A4BE-E0EE698613FA}" type="datetimeFigureOut">
               <a:rPr lang="en-US" smtClean="0"/>
-              <a:t>11/20/2023</a:t>
+              <a:t>11/23/2025</a:t>
             </a:fld>
             <a:endParaRPr lang="en-US"/>
           </a:p>
@@ -670,7 +670,7 @@
           <a:p>
             <a:fld id="{A41F1574-79AA-40EB-A4BE-E0EE698613FA}" type="datetimeFigureOut">
               <a:rPr lang="en-US" smtClean="0"/>
-              <a:t>11/20/2023</a:t>
+              <a:t>11/23/2025</a:t>
             </a:fld>
             <a:endParaRPr lang="en-US"/>
           </a:p>
@@ -882,7 +882,7 @@
           <p:nvPr userDrawn="1"/>
         </p:nvPicPr>
         <mc:AlternateContent xmlns:mc="http://schemas.openxmlformats.org/markup-compatibility/2006">
-          <mc:Choice xmlns:ma="http://schemas.microsoft.com/office/mac/drawingml/2008/main" xmlns:mv="urn:schemas-microsoft-com:mac:vml" xmlns="" Requires="ma">
+          <mc:Choice xmlns="" xmlns:mv="urn:schemas-microsoft-com:mac:vml" xmlns:ma="http://schemas.microsoft.com/office/mac/drawingml/2008/main" Requires="ma">
             <p:blipFill>
               <a:blip r:embed="rId3"/>
               <a:stretch>
@@ -1225,7 +1225,7 @@
           <a:p>
             <a:fld id="{A41F1574-79AA-40EB-A4BE-E0EE698613FA}" type="datetimeFigureOut">
               <a:rPr lang="en-US" smtClean="0"/>
-              <a:t>11/20/2023</a:t>
+              <a:t>11/23/2025</a:t>
             </a:fld>
             <a:endParaRPr lang="en-US"/>
           </a:p>
@@ -1500,7 +1500,7 @@
           <a:p>
             <a:fld id="{A41F1574-79AA-40EB-A4BE-E0EE698613FA}" type="datetimeFigureOut">
               <a:rPr lang="en-US" smtClean="0"/>
-              <a:t>11/20/2023</a:t>
+              <a:t>11/23/2025</a:t>
             </a:fld>
             <a:endParaRPr lang="en-US"/>
           </a:p>
@@ -1765,7 +1765,7 @@
           <a:p>
             <a:fld id="{A41F1574-79AA-40EB-A4BE-E0EE698613FA}" type="datetimeFigureOut">
               <a:rPr lang="en-US" smtClean="0"/>
-              <a:t>11/20/2023</a:t>
+              <a:t>11/23/2025</a:t>
             </a:fld>
             <a:endParaRPr lang="en-US"/>
           </a:p>
@@ -2177,7 +2177,7 @@
           <a:p>
             <a:fld id="{A41F1574-79AA-40EB-A4BE-E0EE698613FA}" type="datetimeFigureOut">
               <a:rPr lang="en-US" smtClean="0"/>
-              <a:t>11/20/2023</a:t>
+              <a:t>11/23/2025</a:t>
             </a:fld>
             <a:endParaRPr lang="en-US"/>
           </a:p>
@@ -2318,7 +2318,7 @@
           <a:p>
             <a:fld id="{A41F1574-79AA-40EB-A4BE-E0EE698613FA}" type="datetimeFigureOut">
               <a:rPr lang="en-US" smtClean="0"/>
-              <a:t>11/20/2023</a:t>
+              <a:t>11/23/2025</a:t>
             </a:fld>
             <a:endParaRPr lang="en-US"/>
           </a:p>
@@ -2431,7 +2431,7 @@
           <a:p>
             <a:fld id="{A41F1574-79AA-40EB-A4BE-E0EE698613FA}" type="datetimeFigureOut">
               <a:rPr lang="en-US" smtClean="0"/>
-              <a:t>11/20/2023</a:t>
+              <a:t>11/23/2025</a:t>
             </a:fld>
             <a:endParaRPr lang="en-US"/>
           </a:p>
@@ -2742,7 +2742,7 @@
           <a:p>
             <a:fld id="{A41F1574-79AA-40EB-A4BE-E0EE698613FA}" type="datetimeFigureOut">
               <a:rPr lang="en-US" smtClean="0"/>
-              <a:t>11/20/2023</a:t>
+              <a:t>11/23/2025</a:t>
             </a:fld>
             <a:endParaRPr lang="en-US"/>
           </a:p>
@@ -3030,7 +3030,7 @@
           <a:p>
             <a:fld id="{A41F1574-79AA-40EB-A4BE-E0EE698613FA}" type="datetimeFigureOut">
               <a:rPr lang="en-US" smtClean="0"/>
-              <a:t>11/20/2023</a:t>
+              <a:t>11/23/2025</a:t>
             </a:fld>
             <a:endParaRPr lang="en-US"/>
           </a:p>
@@ -3271,7 +3271,7 @@
           <a:p>
             <a:fld id="{A41F1574-79AA-40EB-A4BE-E0EE698613FA}" type="datetimeFigureOut">
               <a:rPr lang="en-US" smtClean="0"/>
-              <a:t>11/20/2023</a:t>
+              <a:t>11/23/2025</a:t>
             </a:fld>
             <a:endParaRPr lang="en-US"/>
           </a:p>
